--- a/old/apcsa_17_4.pptx
+++ b/old/apcsa_17_4.pptx
@@ -2920,7 +2920,7 @@
       </p:sp>
       <p:sp>
         <p:nvSpPr>
-          <p:cNvPr id="46" name="Dr. O’Brien. 1/21"/>
+          <p:cNvPr id="46" name="Dr. O’Brien. 1/25"/>
           <p:cNvSpPr txBox="1"/>
           <p:nvPr/>
         </p:nvSpPr>
@@ -2949,7 +2949,7 @@
           <a:p>
             <a:pPr/>
             <a:r>
-              <a:t>Dr. O’Brien. 1/21</a:t>
+              <a:t>Dr. O’Brien. 1/25</a:t>
             </a:r>
           </a:p>
         </p:txBody>
@@ -5380,7 +5380,7 @@
               </a:defRPr>
             </a:pPr>
             <a:r>
-              <a:t>Lesson 17.4</a:t>
+              <a:t>Lesson 18.2</a:t>
             </a:r>
           </a:p>
         </p:txBody>
@@ -5434,7 +5434,7 @@
               <a:defRPr sz="1600"/>
             </a:pPr>
             <a:r>
-              <a:t>21 January 2022</a:t>
+              <a:t>25 January 2022</a:t>
             </a:r>
           </a:p>
         </p:txBody>
@@ -6392,8 +6392,8 @@
         </p:nvSpPr>
         <p:spPr>
           <a:xfrm>
-            <a:off x="2914010" y="1227927"/>
-            <a:ext cx="5946264" cy="673101"/>
+            <a:off x="2914009" y="1227927"/>
+            <a:ext cx="5946265" cy="673101"/>
           </a:xfrm>
           <a:prstGeom prst="rect">
             <a:avLst/>
